--- a/ppt 16-9/0325.主言与我有益.pptx
+++ b/ppt 16-9/0325.主言与我有益.pptx
@@ -129,7 +129,7 @@
           <p:cNvPr id="2" name="标题 1">
             <a:extLst>
               <a:ext uri="{FF2B5EF4-FFF2-40B4-BE49-F238E27FC236}">
-                <a16:creationId xmlns:a16="http://schemas.microsoft.com/office/drawing/2014/main" id="{87170D15-8F4C-32EF-DB16-28C941131C8F}"/>
+                <a16:creationId xmlns:a16="http://schemas.microsoft.com/office/drawing/2014/main" id="{6FD6D249-2272-FAF2-768E-CFB870BFC6B6}"/>
               </a:ext>
             </a:extLst>
           </p:cNvPr>
@@ -166,7 +166,7 @@
           <p:cNvPr id="3" name="副标题 2">
             <a:extLst>
               <a:ext uri="{FF2B5EF4-FFF2-40B4-BE49-F238E27FC236}">
-                <a16:creationId xmlns:a16="http://schemas.microsoft.com/office/drawing/2014/main" id="{7EDAB39F-9540-E6E7-8F19-40913EBE2C91}"/>
+                <a16:creationId xmlns:a16="http://schemas.microsoft.com/office/drawing/2014/main" id="{A8F53E9F-3F0D-823D-839E-F454F0EA1FAB}"/>
               </a:ext>
             </a:extLst>
           </p:cNvPr>
@@ -236,7 +236,7 @@
           <p:cNvPr id="4" name="日期占位符 3">
             <a:extLst>
               <a:ext uri="{FF2B5EF4-FFF2-40B4-BE49-F238E27FC236}">
-                <a16:creationId xmlns:a16="http://schemas.microsoft.com/office/drawing/2014/main" id="{38A0D98D-BD60-8A67-6DC0-F2111AF94163}"/>
+                <a16:creationId xmlns:a16="http://schemas.microsoft.com/office/drawing/2014/main" id="{4D9AFE9F-21C0-2231-A233-729650C52892}"/>
               </a:ext>
             </a:extLst>
           </p:cNvPr>
@@ -252,7 +252,7 @@
           <a:bodyPr/>
           <a:lstStyle/>
           <a:p>
-            <a:fld id="{9BB97BC6-8CF4-44AE-BCBE-5D4BD21BDEA5}" type="datetimeFigureOut">
+            <a:fld id="{DADCE587-5BB4-44C1-8285-01839913A3B9}" type="datetimeFigureOut">
               <a:rPr lang="zh-CN" altLang="en-US" smtClean="0"/>
               <a:t>2024/3/10</a:t>
             </a:fld>
@@ -265,7 +265,7 @@
           <p:cNvPr id="5" name="页脚占位符 4">
             <a:extLst>
               <a:ext uri="{FF2B5EF4-FFF2-40B4-BE49-F238E27FC236}">
-                <a16:creationId xmlns:a16="http://schemas.microsoft.com/office/drawing/2014/main" id="{583C85FD-888A-8F45-3DAF-8745B3FACD8A}"/>
+                <a16:creationId xmlns:a16="http://schemas.microsoft.com/office/drawing/2014/main" id="{5724FFB7-DC40-3D51-A982-349A6A3FB14B}"/>
               </a:ext>
             </a:extLst>
           </p:cNvPr>
@@ -290,7 +290,7 @@
           <p:cNvPr id="6" name="灯片编号占位符 5">
             <a:extLst>
               <a:ext uri="{FF2B5EF4-FFF2-40B4-BE49-F238E27FC236}">
-                <a16:creationId xmlns:a16="http://schemas.microsoft.com/office/drawing/2014/main" id="{488CBCB4-EDB3-2827-BB8C-FB1977803976}"/>
+                <a16:creationId xmlns:a16="http://schemas.microsoft.com/office/drawing/2014/main" id="{DBF4602D-7A1A-5C3D-42F0-CB3527139C85}"/>
               </a:ext>
             </a:extLst>
           </p:cNvPr>
@@ -306,7 +306,7 @@
           <a:bodyPr/>
           <a:lstStyle/>
           <a:p>
-            <a:fld id="{09B1008A-CC63-48DC-8707-6CC07270F022}" type="slidenum">
+            <a:fld id="{9F6947BB-1B95-4B30-91C2-CCB653B2FC2F}" type="slidenum">
               <a:rPr lang="zh-CN" altLang="en-US" smtClean="0"/>
               <a:t>‹#›</a:t>
             </a:fld>
@@ -317,7 +317,7 @@
     </p:spTree>
     <p:extLst>
       <p:ext uri="{BB962C8B-B14F-4D97-AF65-F5344CB8AC3E}">
-        <p14:creationId xmlns:p14="http://schemas.microsoft.com/office/powerpoint/2010/main" val="2833416953"/>
+        <p14:creationId xmlns:p14="http://schemas.microsoft.com/office/powerpoint/2010/main" val="204102053"/>
       </p:ext>
     </p:extLst>
   </p:cSld>
@@ -349,7 +349,7 @@
           <p:cNvPr id="2" name="标题 1">
             <a:extLst>
               <a:ext uri="{FF2B5EF4-FFF2-40B4-BE49-F238E27FC236}">
-                <a16:creationId xmlns:a16="http://schemas.microsoft.com/office/drawing/2014/main" id="{A4EA42BA-5392-3A19-F61C-37B70B97E90C}"/>
+                <a16:creationId xmlns:a16="http://schemas.microsoft.com/office/drawing/2014/main" id="{82EF2D84-4986-F8E3-9851-A141A2E16716}"/>
               </a:ext>
             </a:extLst>
           </p:cNvPr>
@@ -377,7 +377,7 @@
           <p:cNvPr id="3" name="竖排文字占位符 2">
             <a:extLst>
               <a:ext uri="{FF2B5EF4-FFF2-40B4-BE49-F238E27FC236}">
-                <a16:creationId xmlns:a16="http://schemas.microsoft.com/office/drawing/2014/main" id="{7D101B1F-8EAA-A6C2-0D95-64B4490D715E}"/>
+                <a16:creationId xmlns:a16="http://schemas.microsoft.com/office/drawing/2014/main" id="{18D490E1-B2CD-F5A0-64F2-03D7EA455D9A}"/>
               </a:ext>
             </a:extLst>
           </p:cNvPr>
@@ -434,7 +434,7 @@
           <p:cNvPr id="4" name="日期占位符 3">
             <a:extLst>
               <a:ext uri="{FF2B5EF4-FFF2-40B4-BE49-F238E27FC236}">
-                <a16:creationId xmlns:a16="http://schemas.microsoft.com/office/drawing/2014/main" id="{73A47A2F-2376-1ED9-A881-1F5E4DDD6CFF}"/>
+                <a16:creationId xmlns:a16="http://schemas.microsoft.com/office/drawing/2014/main" id="{D8DBC45E-8375-671E-88DB-15743A78CFE5}"/>
               </a:ext>
             </a:extLst>
           </p:cNvPr>
@@ -450,7 +450,7 @@
           <a:bodyPr/>
           <a:lstStyle/>
           <a:p>
-            <a:fld id="{9BB97BC6-8CF4-44AE-BCBE-5D4BD21BDEA5}" type="datetimeFigureOut">
+            <a:fld id="{DADCE587-5BB4-44C1-8285-01839913A3B9}" type="datetimeFigureOut">
               <a:rPr lang="zh-CN" altLang="en-US" smtClean="0"/>
               <a:t>2024/3/10</a:t>
             </a:fld>
@@ -463,7 +463,7 @@
           <p:cNvPr id="5" name="页脚占位符 4">
             <a:extLst>
               <a:ext uri="{FF2B5EF4-FFF2-40B4-BE49-F238E27FC236}">
-                <a16:creationId xmlns:a16="http://schemas.microsoft.com/office/drawing/2014/main" id="{68A62D1C-E66A-5A6C-72AD-B1625BCF052F}"/>
+                <a16:creationId xmlns:a16="http://schemas.microsoft.com/office/drawing/2014/main" id="{3743AE9A-5BE9-2B27-304E-278880817477}"/>
               </a:ext>
             </a:extLst>
           </p:cNvPr>
@@ -488,7 +488,7 @@
           <p:cNvPr id="6" name="灯片编号占位符 5">
             <a:extLst>
               <a:ext uri="{FF2B5EF4-FFF2-40B4-BE49-F238E27FC236}">
-                <a16:creationId xmlns:a16="http://schemas.microsoft.com/office/drawing/2014/main" id="{D07E80E8-C429-6DA8-90F2-BD10C10EAD10}"/>
+                <a16:creationId xmlns:a16="http://schemas.microsoft.com/office/drawing/2014/main" id="{607BFD2A-F25A-461C-CC82-D3716DBCF9E9}"/>
               </a:ext>
             </a:extLst>
           </p:cNvPr>
@@ -504,7 +504,7 @@
           <a:bodyPr/>
           <a:lstStyle/>
           <a:p>
-            <a:fld id="{09B1008A-CC63-48DC-8707-6CC07270F022}" type="slidenum">
+            <a:fld id="{9F6947BB-1B95-4B30-91C2-CCB653B2FC2F}" type="slidenum">
               <a:rPr lang="zh-CN" altLang="en-US" smtClean="0"/>
               <a:t>‹#›</a:t>
             </a:fld>
@@ -515,7 +515,7 @@
     </p:spTree>
     <p:extLst>
       <p:ext uri="{BB962C8B-B14F-4D97-AF65-F5344CB8AC3E}">
-        <p14:creationId xmlns:p14="http://schemas.microsoft.com/office/powerpoint/2010/main" val="2592402853"/>
+        <p14:creationId xmlns:p14="http://schemas.microsoft.com/office/powerpoint/2010/main" val="669538794"/>
       </p:ext>
     </p:extLst>
   </p:cSld>
@@ -547,7 +547,7 @@
           <p:cNvPr id="2" name="竖排标题 1">
             <a:extLst>
               <a:ext uri="{FF2B5EF4-FFF2-40B4-BE49-F238E27FC236}">
-                <a16:creationId xmlns:a16="http://schemas.microsoft.com/office/drawing/2014/main" id="{BBFCC345-6BF9-5463-F30F-87D8CFDCF3E8}"/>
+                <a16:creationId xmlns:a16="http://schemas.microsoft.com/office/drawing/2014/main" id="{686B5BEF-A50A-539A-46BF-69F7BD0A825A}"/>
               </a:ext>
             </a:extLst>
           </p:cNvPr>
@@ -580,7 +580,7 @@
           <p:cNvPr id="3" name="竖排文字占位符 2">
             <a:extLst>
               <a:ext uri="{FF2B5EF4-FFF2-40B4-BE49-F238E27FC236}">
-                <a16:creationId xmlns:a16="http://schemas.microsoft.com/office/drawing/2014/main" id="{656B7E6C-41B7-2E4A-1B57-F42EDE2DA794}"/>
+                <a16:creationId xmlns:a16="http://schemas.microsoft.com/office/drawing/2014/main" id="{CA9413E7-D1BA-0FA4-8061-29AAAEC95968}"/>
               </a:ext>
             </a:extLst>
           </p:cNvPr>
@@ -642,7 +642,7 @@
           <p:cNvPr id="4" name="日期占位符 3">
             <a:extLst>
               <a:ext uri="{FF2B5EF4-FFF2-40B4-BE49-F238E27FC236}">
-                <a16:creationId xmlns:a16="http://schemas.microsoft.com/office/drawing/2014/main" id="{6893E57D-431A-8400-AEE1-985D81C2F70E}"/>
+                <a16:creationId xmlns:a16="http://schemas.microsoft.com/office/drawing/2014/main" id="{0BB947B1-A72B-8927-16AE-2FE46E048E01}"/>
               </a:ext>
             </a:extLst>
           </p:cNvPr>
@@ -658,7 +658,7 @@
           <a:bodyPr/>
           <a:lstStyle/>
           <a:p>
-            <a:fld id="{9BB97BC6-8CF4-44AE-BCBE-5D4BD21BDEA5}" type="datetimeFigureOut">
+            <a:fld id="{DADCE587-5BB4-44C1-8285-01839913A3B9}" type="datetimeFigureOut">
               <a:rPr lang="zh-CN" altLang="en-US" smtClean="0"/>
               <a:t>2024/3/10</a:t>
             </a:fld>
@@ -671,7 +671,7 @@
           <p:cNvPr id="5" name="页脚占位符 4">
             <a:extLst>
               <a:ext uri="{FF2B5EF4-FFF2-40B4-BE49-F238E27FC236}">
-                <a16:creationId xmlns:a16="http://schemas.microsoft.com/office/drawing/2014/main" id="{40F65186-79B8-1E46-49CC-29A45B8CB756}"/>
+                <a16:creationId xmlns:a16="http://schemas.microsoft.com/office/drawing/2014/main" id="{9FB0AEA2-B838-D582-A55F-135947332C49}"/>
               </a:ext>
             </a:extLst>
           </p:cNvPr>
@@ -696,7 +696,7 @@
           <p:cNvPr id="6" name="灯片编号占位符 5">
             <a:extLst>
               <a:ext uri="{FF2B5EF4-FFF2-40B4-BE49-F238E27FC236}">
-                <a16:creationId xmlns:a16="http://schemas.microsoft.com/office/drawing/2014/main" id="{8BDA56A1-D36F-148E-4E7C-6459E5FA8905}"/>
+                <a16:creationId xmlns:a16="http://schemas.microsoft.com/office/drawing/2014/main" id="{333695EE-39AA-BA6C-9D32-DA8ADBB348AF}"/>
               </a:ext>
             </a:extLst>
           </p:cNvPr>
@@ -712,7 +712,7 @@
           <a:bodyPr/>
           <a:lstStyle/>
           <a:p>
-            <a:fld id="{09B1008A-CC63-48DC-8707-6CC07270F022}" type="slidenum">
+            <a:fld id="{9F6947BB-1B95-4B30-91C2-CCB653B2FC2F}" type="slidenum">
               <a:rPr lang="zh-CN" altLang="en-US" smtClean="0"/>
               <a:t>‹#›</a:t>
             </a:fld>
@@ -723,7 +723,7 @@
     </p:spTree>
     <p:extLst>
       <p:ext uri="{BB962C8B-B14F-4D97-AF65-F5344CB8AC3E}">
-        <p14:creationId xmlns:p14="http://schemas.microsoft.com/office/powerpoint/2010/main" val="2965442918"/>
+        <p14:creationId xmlns:p14="http://schemas.microsoft.com/office/powerpoint/2010/main" val="512633549"/>
       </p:ext>
     </p:extLst>
   </p:cSld>
@@ -755,7 +755,7 @@
           <p:cNvPr id="2" name="标题 1">
             <a:extLst>
               <a:ext uri="{FF2B5EF4-FFF2-40B4-BE49-F238E27FC236}">
-                <a16:creationId xmlns:a16="http://schemas.microsoft.com/office/drawing/2014/main" id="{207D8D50-2C7B-202B-C716-C3877ACFDC82}"/>
+                <a16:creationId xmlns:a16="http://schemas.microsoft.com/office/drawing/2014/main" id="{CE109508-4A83-B488-90C3-609DBBDBD91E}"/>
               </a:ext>
             </a:extLst>
           </p:cNvPr>
@@ -783,7 +783,7 @@
           <p:cNvPr id="3" name="内容占位符 2">
             <a:extLst>
               <a:ext uri="{FF2B5EF4-FFF2-40B4-BE49-F238E27FC236}">
-                <a16:creationId xmlns:a16="http://schemas.microsoft.com/office/drawing/2014/main" id="{B3C0188D-4B6A-03FC-9CA0-B71B1BB404E7}"/>
+                <a16:creationId xmlns:a16="http://schemas.microsoft.com/office/drawing/2014/main" id="{BB2411C0-053F-86FE-9F8B-E93CB1AFC337}"/>
               </a:ext>
             </a:extLst>
           </p:cNvPr>
@@ -840,7 +840,7 @@
           <p:cNvPr id="4" name="日期占位符 3">
             <a:extLst>
               <a:ext uri="{FF2B5EF4-FFF2-40B4-BE49-F238E27FC236}">
-                <a16:creationId xmlns:a16="http://schemas.microsoft.com/office/drawing/2014/main" id="{3949C81B-4479-ADBE-BE82-0D94D5DF9DCE}"/>
+                <a16:creationId xmlns:a16="http://schemas.microsoft.com/office/drawing/2014/main" id="{EA5B1072-046A-A955-1688-68EE86FD6437}"/>
               </a:ext>
             </a:extLst>
           </p:cNvPr>
@@ -856,7 +856,7 @@
           <a:bodyPr/>
           <a:lstStyle/>
           <a:p>
-            <a:fld id="{9BB97BC6-8CF4-44AE-BCBE-5D4BD21BDEA5}" type="datetimeFigureOut">
+            <a:fld id="{DADCE587-5BB4-44C1-8285-01839913A3B9}" type="datetimeFigureOut">
               <a:rPr lang="zh-CN" altLang="en-US" smtClean="0"/>
               <a:t>2024/3/10</a:t>
             </a:fld>
@@ -869,7 +869,7 @@
           <p:cNvPr id="5" name="页脚占位符 4">
             <a:extLst>
               <a:ext uri="{FF2B5EF4-FFF2-40B4-BE49-F238E27FC236}">
-                <a16:creationId xmlns:a16="http://schemas.microsoft.com/office/drawing/2014/main" id="{40A6F2D0-D986-2633-9450-737C3AE1E8FB}"/>
+                <a16:creationId xmlns:a16="http://schemas.microsoft.com/office/drawing/2014/main" id="{E7FD2E55-6731-ED94-3F22-CCAE20BFAB21}"/>
               </a:ext>
             </a:extLst>
           </p:cNvPr>
@@ -894,7 +894,7 @@
           <p:cNvPr id="6" name="灯片编号占位符 5">
             <a:extLst>
               <a:ext uri="{FF2B5EF4-FFF2-40B4-BE49-F238E27FC236}">
-                <a16:creationId xmlns:a16="http://schemas.microsoft.com/office/drawing/2014/main" id="{51252812-AB47-3BDD-BFBB-86D145C26032}"/>
+                <a16:creationId xmlns:a16="http://schemas.microsoft.com/office/drawing/2014/main" id="{E01881C4-9EEE-FB13-0573-A102A0C3F917}"/>
               </a:ext>
             </a:extLst>
           </p:cNvPr>
@@ -910,7 +910,7 @@
           <a:bodyPr/>
           <a:lstStyle/>
           <a:p>
-            <a:fld id="{09B1008A-CC63-48DC-8707-6CC07270F022}" type="slidenum">
+            <a:fld id="{9F6947BB-1B95-4B30-91C2-CCB653B2FC2F}" type="slidenum">
               <a:rPr lang="zh-CN" altLang="en-US" smtClean="0"/>
               <a:t>‹#›</a:t>
             </a:fld>
@@ -921,7 +921,7 @@
     </p:spTree>
     <p:extLst>
       <p:ext uri="{BB962C8B-B14F-4D97-AF65-F5344CB8AC3E}">
-        <p14:creationId xmlns:p14="http://schemas.microsoft.com/office/powerpoint/2010/main" val="404424431"/>
+        <p14:creationId xmlns:p14="http://schemas.microsoft.com/office/powerpoint/2010/main" val="1129511162"/>
       </p:ext>
     </p:extLst>
   </p:cSld>
@@ -953,7 +953,7 @@
           <p:cNvPr id="2" name="标题 1">
             <a:extLst>
               <a:ext uri="{FF2B5EF4-FFF2-40B4-BE49-F238E27FC236}">
-                <a16:creationId xmlns:a16="http://schemas.microsoft.com/office/drawing/2014/main" id="{F320F82B-6471-AFEF-88C6-302E19B7E9A1}"/>
+                <a16:creationId xmlns:a16="http://schemas.microsoft.com/office/drawing/2014/main" id="{ECF059FA-195A-81C6-2403-0132C3D5577B}"/>
               </a:ext>
             </a:extLst>
           </p:cNvPr>
@@ -990,7 +990,7 @@
           <p:cNvPr id="3" name="文本占位符 2">
             <a:extLst>
               <a:ext uri="{FF2B5EF4-FFF2-40B4-BE49-F238E27FC236}">
-                <a16:creationId xmlns:a16="http://schemas.microsoft.com/office/drawing/2014/main" id="{F3350822-456F-7E5D-9B7B-1E313500F5A1}"/>
+                <a16:creationId xmlns:a16="http://schemas.microsoft.com/office/drawing/2014/main" id="{FCB0212D-3014-1055-D901-5542E7B6DE22}"/>
               </a:ext>
             </a:extLst>
           </p:cNvPr>
@@ -1115,7 +1115,7 @@
           <p:cNvPr id="4" name="日期占位符 3">
             <a:extLst>
               <a:ext uri="{FF2B5EF4-FFF2-40B4-BE49-F238E27FC236}">
-                <a16:creationId xmlns:a16="http://schemas.microsoft.com/office/drawing/2014/main" id="{E777912C-9F84-49A7-FCE7-17B2945FB570}"/>
+                <a16:creationId xmlns:a16="http://schemas.microsoft.com/office/drawing/2014/main" id="{6FB6B368-89FA-AFD5-7970-428C2964A733}"/>
               </a:ext>
             </a:extLst>
           </p:cNvPr>
@@ -1131,7 +1131,7 @@
           <a:bodyPr/>
           <a:lstStyle/>
           <a:p>
-            <a:fld id="{9BB97BC6-8CF4-44AE-BCBE-5D4BD21BDEA5}" type="datetimeFigureOut">
+            <a:fld id="{DADCE587-5BB4-44C1-8285-01839913A3B9}" type="datetimeFigureOut">
               <a:rPr lang="zh-CN" altLang="en-US" smtClean="0"/>
               <a:t>2024/3/10</a:t>
             </a:fld>
@@ -1144,7 +1144,7 @@
           <p:cNvPr id="5" name="页脚占位符 4">
             <a:extLst>
               <a:ext uri="{FF2B5EF4-FFF2-40B4-BE49-F238E27FC236}">
-                <a16:creationId xmlns:a16="http://schemas.microsoft.com/office/drawing/2014/main" id="{DE4E636A-3421-5F9A-4DF9-8B61D0A0BEF8}"/>
+                <a16:creationId xmlns:a16="http://schemas.microsoft.com/office/drawing/2014/main" id="{45EC4EE8-45F0-ED57-EA80-03E5CB4B08FF}"/>
               </a:ext>
             </a:extLst>
           </p:cNvPr>
@@ -1169,7 +1169,7 @@
           <p:cNvPr id="6" name="灯片编号占位符 5">
             <a:extLst>
               <a:ext uri="{FF2B5EF4-FFF2-40B4-BE49-F238E27FC236}">
-                <a16:creationId xmlns:a16="http://schemas.microsoft.com/office/drawing/2014/main" id="{1D82EF96-485A-0341-7973-DA57F7640577}"/>
+                <a16:creationId xmlns:a16="http://schemas.microsoft.com/office/drawing/2014/main" id="{89E7FA58-F038-4DDD-4E93-F6F44FE83E23}"/>
               </a:ext>
             </a:extLst>
           </p:cNvPr>
@@ -1185,7 +1185,7 @@
           <a:bodyPr/>
           <a:lstStyle/>
           <a:p>
-            <a:fld id="{09B1008A-CC63-48DC-8707-6CC07270F022}" type="slidenum">
+            <a:fld id="{9F6947BB-1B95-4B30-91C2-CCB653B2FC2F}" type="slidenum">
               <a:rPr lang="zh-CN" altLang="en-US" smtClean="0"/>
               <a:t>‹#›</a:t>
             </a:fld>
@@ -1196,7 +1196,7 @@
     </p:spTree>
     <p:extLst>
       <p:ext uri="{BB962C8B-B14F-4D97-AF65-F5344CB8AC3E}">
-        <p14:creationId xmlns:p14="http://schemas.microsoft.com/office/powerpoint/2010/main" val="1596015036"/>
+        <p14:creationId xmlns:p14="http://schemas.microsoft.com/office/powerpoint/2010/main" val="3366340233"/>
       </p:ext>
     </p:extLst>
   </p:cSld>
@@ -1228,7 +1228,7 @@
           <p:cNvPr id="2" name="标题 1">
             <a:extLst>
               <a:ext uri="{FF2B5EF4-FFF2-40B4-BE49-F238E27FC236}">
-                <a16:creationId xmlns:a16="http://schemas.microsoft.com/office/drawing/2014/main" id="{572AC924-E19C-9F5D-BB24-A9543DD24504}"/>
+                <a16:creationId xmlns:a16="http://schemas.microsoft.com/office/drawing/2014/main" id="{AE66EEB3-0751-412A-461A-C975462BF7C5}"/>
               </a:ext>
             </a:extLst>
           </p:cNvPr>
@@ -1256,7 +1256,7 @@
           <p:cNvPr id="3" name="内容占位符 2">
             <a:extLst>
               <a:ext uri="{FF2B5EF4-FFF2-40B4-BE49-F238E27FC236}">
-                <a16:creationId xmlns:a16="http://schemas.microsoft.com/office/drawing/2014/main" id="{E7EA998E-7007-8E69-F578-7E90AEC187EC}"/>
+                <a16:creationId xmlns:a16="http://schemas.microsoft.com/office/drawing/2014/main" id="{BA6C124F-3B5C-A94C-C3C3-59C09B044794}"/>
               </a:ext>
             </a:extLst>
           </p:cNvPr>
@@ -1318,7 +1318,7 @@
           <p:cNvPr id="4" name="内容占位符 3">
             <a:extLst>
               <a:ext uri="{FF2B5EF4-FFF2-40B4-BE49-F238E27FC236}">
-                <a16:creationId xmlns:a16="http://schemas.microsoft.com/office/drawing/2014/main" id="{DF57EFB0-C2C2-06A9-7DBB-9FFFD76F0141}"/>
+                <a16:creationId xmlns:a16="http://schemas.microsoft.com/office/drawing/2014/main" id="{455BA86C-B44A-83A5-463F-35713C153CBC}"/>
               </a:ext>
             </a:extLst>
           </p:cNvPr>
@@ -1380,7 +1380,7 @@
           <p:cNvPr id="5" name="日期占位符 4">
             <a:extLst>
               <a:ext uri="{FF2B5EF4-FFF2-40B4-BE49-F238E27FC236}">
-                <a16:creationId xmlns:a16="http://schemas.microsoft.com/office/drawing/2014/main" id="{F78A3A21-3EDC-A3EF-5D2B-E58B17623905}"/>
+                <a16:creationId xmlns:a16="http://schemas.microsoft.com/office/drawing/2014/main" id="{F86167FA-5D9E-5AC2-4A07-C1E5A296E244}"/>
               </a:ext>
             </a:extLst>
           </p:cNvPr>
@@ -1396,7 +1396,7 @@
           <a:bodyPr/>
           <a:lstStyle/>
           <a:p>
-            <a:fld id="{9BB97BC6-8CF4-44AE-BCBE-5D4BD21BDEA5}" type="datetimeFigureOut">
+            <a:fld id="{DADCE587-5BB4-44C1-8285-01839913A3B9}" type="datetimeFigureOut">
               <a:rPr lang="zh-CN" altLang="en-US" smtClean="0"/>
               <a:t>2024/3/10</a:t>
             </a:fld>
@@ -1409,7 +1409,7 @@
           <p:cNvPr id="6" name="页脚占位符 5">
             <a:extLst>
               <a:ext uri="{FF2B5EF4-FFF2-40B4-BE49-F238E27FC236}">
-                <a16:creationId xmlns:a16="http://schemas.microsoft.com/office/drawing/2014/main" id="{D762A06C-B58A-6E1F-7EF3-5DE6B33EF68B}"/>
+                <a16:creationId xmlns:a16="http://schemas.microsoft.com/office/drawing/2014/main" id="{5AC923EA-2848-CD4B-A069-1A2CEF051B3C}"/>
               </a:ext>
             </a:extLst>
           </p:cNvPr>
@@ -1434,7 +1434,7 @@
           <p:cNvPr id="7" name="灯片编号占位符 6">
             <a:extLst>
               <a:ext uri="{FF2B5EF4-FFF2-40B4-BE49-F238E27FC236}">
-                <a16:creationId xmlns:a16="http://schemas.microsoft.com/office/drawing/2014/main" id="{6A9EFA1E-D109-333E-1D9D-F772F68FEE2F}"/>
+                <a16:creationId xmlns:a16="http://schemas.microsoft.com/office/drawing/2014/main" id="{55BE6957-AE29-A68E-96B2-8EAD41E71FD2}"/>
               </a:ext>
             </a:extLst>
           </p:cNvPr>
@@ -1450,7 +1450,7 @@
           <a:bodyPr/>
           <a:lstStyle/>
           <a:p>
-            <a:fld id="{09B1008A-CC63-48DC-8707-6CC07270F022}" type="slidenum">
+            <a:fld id="{9F6947BB-1B95-4B30-91C2-CCB653B2FC2F}" type="slidenum">
               <a:rPr lang="zh-CN" altLang="en-US" smtClean="0"/>
               <a:t>‹#›</a:t>
             </a:fld>
@@ -1461,7 +1461,7 @@
     </p:spTree>
     <p:extLst>
       <p:ext uri="{BB962C8B-B14F-4D97-AF65-F5344CB8AC3E}">
-        <p14:creationId xmlns:p14="http://schemas.microsoft.com/office/powerpoint/2010/main" val="3458105476"/>
+        <p14:creationId xmlns:p14="http://schemas.microsoft.com/office/powerpoint/2010/main" val="3490343340"/>
       </p:ext>
     </p:extLst>
   </p:cSld>
@@ -1493,7 +1493,7 @@
           <p:cNvPr id="2" name="标题 1">
             <a:extLst>
               <a:ext uri="{FF2B5EF4-FFF2-40B4-BE49-F238E27FC236}">
-                <a16:creationId xmlns:a16="http://schemas.microsoft.com/office/drawing/2014/main" id="{A2528195-0B32-A5FD-EFF8-6EB83669BF33}"/>
+                <a16:creationId xmlns:a16="http://schemas.microsoft.com/office/drawing/2014/main" id="{1A5DB9E2-A764-90B5-B9CE-1BB4E4D85066}"/>
               </a:ext>
             </a:extLst>
           </p:cNvPr>
@@ -1526,7 +1526,7 @@
           <p:cNvPr id="3" name="文本占位符 2">
             <a:extLst>
               <a:ext uri="{FF2B5EF4-FFF2-40B4-BE49-F238E27FC236}">
-                <a16:creationId xmlns:a16="http://schemas.microsoft.com/office/drawing/2014/main" id="{E046DE37-2A97-F4B0-2484-7B538C848B23}"/>
+                <a16:creationId xmlns:a16="http://schemas.microsoft.com/office/drawing/2014/main" id="{F7983201-A7F7-1306-BC4B-94A8C3E240B2}"/>
               </a:ext>
             </a:extLst>
           </p:cNvPr>
@@ -1597,7 +1597,7 @@
           <p:cNvPr id="4" name="内容占位符 3">
             <a:extLst>
               <a:ext uri="{FF2B5EF4-FFF2-40B4-BE49-F238E27FC236}">
-                <a16:creationId xmlns:a16="http://schemas.microsoft.com/office/drawing/2014/main" id="{DB058FF9-52F3-305E-5B3F-26C1761D28FD}"/>
+                <a16:creationId xmlns:a16="http://schemas.microsoft.com/office/drawing/2014/main" id="{04435271-0E34-460B-044C-326022259C44}"/>
               </a:ext>
             </a:extLst>
           </p:cNvPr>
@@ -1659,7 +1659,7 @@
           <p:cNvPr id="5" name="文本占位符 4">
             <a:extLst>
               <a:ext uri="{FF2B5EF4-FFF2-40B4-BE49-F238E27FC236}">
-                <a16:creationId xmlns:a16="http://schemas.microsoft.com/office/drawing/2014/main" id="{FB510D6A-EB38-FEB1-70D3-1470055D937C}"/>
+                <a16:creationId xmlns:a16="http://schemas.microsoft.com/office/drawing/2014/main" id="{03CCA20C-3DB1-B619-2FE8-B6931CE34A18}"/>
               </a:ext>
             </a:extLst>
           </p:cNvPr>
@@ -1730,7 +1730,7 @@
           <p:cNvPr id="6" name="内容占位符 5">
             <a:extLst>
               <a:ext uri="{FF2B5EF4-FFF2-40B4-BE49-F238E27FC236}">
-                <a16:creationId xmlns:a16="http://schemas.microsoft.com/office/drawing/2014/main" id="{EE043152-D323-3BBE-87E0-ADE8E0D71DE1}"/>
+                <a16:creationId xmlns:a16="http://schemas.microsoft.com/office/drawing/2014/main" id="{52F98F1C-ACFD-421A-0E40-5BF9EAF756CB}"/>
               </a:ext>
             </a:extLst>
           </p:cNvPr>
@@ -1792,7 +1792,7 @@
           <p:cNvPr id="7" name="日期占位符 6">
             <a:extLst>
               <a:ext uri="{FF2B5EF4-FFF2-40B4-BE49-F238E27FC236}">
-                <a16:creationId xmlns:a16="http://schemas.microsoft.com/office/drawing/2014/main" id="{794035EC-5EAB-9E28-EB53-3C9917F8528B}"/>
+                <a16:creationId xmlns:a16="http://schemas.microsoft.com/office/drawing/2014/main" id="{A51DE353-B3F7-4945-5CF4-C3C77ECEBC17}"/>
               </a:ext>
             </a:extLst>
           </p:cNvPr>
@@ -1808,7 +1808,7 @@
           <a:bodyPr/>
           <a:lstStyle/>
           <a:p>
-            <a:fld id="{9BB97BC6-8CF4-44AE-BCBE-5D4BD21BDEA5}" type="datetimeFigureOut">
+            <a:fld id="{DADCE587-5BB4-44C1-8285-01839913A3B9}" type="datetimeFigureOut">
               <a:rPr lang="zh-CN" altLang="en-US" smtClean="0"/>
               <a:t>2024/3/10</a:t>
             </a:fld>
@@ -1821,7 +1821,7 @@
           <p:cNvPr id="8" name="页脚占位符 7">
             <a:extLst>
               <a:ext uri="{FF2B5EF4-FFF2-40B4-BE49-F238E27FC236}">
-                <a16:creationId xmlns:a16="http://schemas.microsoft.com/office/drawing/2014/main" id="{2A8E4EFC-71A5-C945-E7C4-7CB03F29741F}"/>
+                <a16:creationId xmlns:a16="http://schemas.microsoft.com/office/drawing/2014/main" id="{66138011-2F50-2DB6-AF2D-C9A81E7CD361}"/>
               </a:ext>
             </a:extLst>
           </p:cNvPr>
@@ -1846,7 +1846,7 @@
           <p:cNvPr id="9" name="灯片编号占位符 8">
             <a:extLst>
               <a:ext uri="{FF2B5EF4-FFF2-40B4-BE49-F238E27FC236}">
-                <a16:creationId xmlns:a16="http://schemas.microsoft.com/office/drawing/2014/main" id="{B1223335-4838-F060-2678-9EE5D20C9A3E}"/>
+                <a16:creationId xmlns:a16="http://schemas.microsoft.com/office/drawing/2014/main" id="{8C1543A5-96DB-D3C6-77D1-9BB011268D3C}"/>
               </a:ext>
             </a:extLst>
           </p:cNvPr>
@@ -1862,7 +1862,7 @@
           <a:bodyPr/>
           <a:lstStyle/>
           <a:p>
-            <a:fld id="{09B1008A-CC63-48DC-8707-6CC07270F022}" type="slidenum">
+            <a:fld id="{9F6947BB-1B95-4B30-91C2-CCB653B2FC2F}" type="slidenum">
               <a:rPr lang="zh-CN" altLang="en-US" smtClean="0"/>
               <a:t>‹#›</a:t>
             </a:fld>
@@ -1873,7 +1873,7 @@
     </p:spTree>
     <p:extLst>
       <p:ext uri="{BB962C8B-B14F-4D97-AF65-F5344CB8AC3E}">
-        <p14:creationId xmlns:p14="http://schemas.microsoft.com/office/powerpoint/2010/main" val="4020778987"/>
+        <p14:creationId xmlns:p14="http://schemas.microsoft.com/office/powerpoint/2010/main" val="1135978920"/>
       </p:ext>
     </p:extLst>
   </p:cSld>
@@ -1905,7 +1905,7 @@
           <p:cNvPr id="2" name="标题 1">
             <a:extLst>
               <a:ext uri="{FF2B5EF4-FFF2-40B4-BE49-F238E27FC236}">
-                <a16:creationId xmlns:a16="http://schemas.microsoft.com/office/drawing/2014/main" id="{F9548847-3266-92C8-962E-56ABFB633204}"/>
+                <a16:creationId xmlns:a16="http://schemas.microsoft.com/office/drawing/2014/main" id="{A576E6E4-FE24-7198-7F88-9C697AE661D6}"/>
               </a:ext>
             </a:extLst>
           </p:cNvPr>
@@ -1933,7 +1933,7 @@
           <p:cNvPr id="3" name="日期占位符 2">
             <a:extLst>
               <a:ext uri="{FF2B5EF4-FFF2-40B4-BE49-F238E27FC236}">
-                <a16:creationId xmlns:a16="http://schemas.microsoft.com/office/drawing/2014/main" id="{914FDD84-5E16-0C20-07D4-9C37DACECE59}"/>
+                <a16:creationId xmlns:a16="http://schemas.microsoft.com/office/drawing/2014/main" id="{8F1AE1A0-EF42-C94E-FF84-2664CB7D59F3}"/>
               </a:ext>
             </a:extLst>
           </p:cNvPr>
@@ -1949,7 +1949,7 @@
           <a:bodyPr/>
           <a:lstStyle/>
           <a:p>
-            <a:fld id="{9BB97BC6-8CF4-44AE-BCBE-5D4BD21BDEA5}" type="datetimeFigureOut">
+            <a:fld id="{DADCE587-5BB4-44C1-8285-01839913A3B9}" type="datetimeFigureOut">
               <a:rPr lang="zh-CN" altLang="en-US" smtClean="0"/>
               <a:t>2024/3/10</a:t>
             </a:fld>
@@ -1962,7 +1962,7 @@
           <p:cNvPr id="4" name="页脚占位符 3">
             <a:extLst>
               <a:ext uri="{FF2B5EF4-FFF2-40B4-BE49-F238E27FC236}">
-                <a16:creationId xmlns:a16="http://schemas.microsoft.com/office/drawing/2014/main" id="{10842DF5-00B8-F2EE-EFA2-5F60948FE091}"/>
+                <a16:creationId xmlns:a16="http://schemas.microsoft.com/office/drawing/2014/main" id="{703F5600-5637-663B-46E1-BBD951139E7E}"/>
               </a:ext>
             </a:extLst>
           </p:cNvPr>
@@ -1987,7 +1987,7 @@
           <p:cNvPr id="5" name="灯片编号占位符 4">
             <a:extLst>
               <a:ext uri="{FF2B5EF4-FFF2-40B4-BE49-F238E27FC236}">
-                <a16:creationId xmlns:a16="http://schemas.microsoft.com/office/drawing/2014/main" id="{C7A98093-C0ED-8993-EE1B-B36A69112EAA}"/>
+                <a16:creationId xmlns:a16="http://schemas.microsoft.com/office/drawing/2014/main" id="{03C88746-929A-91B6-8C43-AA16D51D24F4}"/>
               </a:ext>
             </a:extLst>
           </p:cNvPr>
@@ -2003,7 +2003,7 @@
           <a:bodyPr/>
           <a:lstStyle/>
           <a:p>
-            <a:fld id="{09B1008A-CC63-48DC-8707-6CC07270F022}" type="slidenum">
+            <a:fld id="{9F6947BB-1B95-4B30-91C2-CCB653B2FC2F}" type="slidenum">
               <a:rPr lang="zh-CN" altLang="en-US" smtClean="0"/>
               <a:t>‹#›</a:t>
             </a:fld>
@@ -2014,7 +2014,7 @@
     </p:spTree>
     <p:extLst>
       <p:ext uri="{BB962C8B-B14F-4D97-AF65-F5344CB8AC3E}">
-        <p14:creationId xmlns:p14="http://schemas.microsoft.com/office/powerpoint/2010/main" val="275121505"/>
+        <p14:creationId xmlns:p14="http://schemas.microsoft.com/office/powerpoint/2010/main" val="1785492629"/>
       </p:ext>
     </p:extLst>
   </p:cSld>
@@ -2046,7 +2046,7 @@
           <p:cNvPr id="2" name="日期占位符 1">
             <a:extLst>
               <a:ext uri="{FF2B5EF4-FFF2-40B4-BE49-F238E27FC236}">
-                <a16:creationId xmlns:a16="http://schemas.microsoft.com/office/drawing/2014/main" id="{14B62E22-07C8-81D8-A5BA-7136822244B5}"/>
+                <a16:creationId xmlns:a16="http://schemas.microsoft.com/office/drawing/2014/main" id="{37D4E2BA-E7C0-CD5E-516E-145B1C0F83BE}"/>
               </a:ext>
             </a:extLst>
           </p:cNvPr>
@@ -2062,7 +2062,7 @@
           <a:bodyPr/>
           <a:lstStyle/>
           <a:p>
-            <a:fld id="{9BB97BC6-8CF4-44AE-BCBE-5D4BD21BDEA5}" type="datetimeFigureOut">
+            <a:fld id="{DADCE587-5BB4-44C1-8285-01839913A3B9}" type="datetimeFigureOut">
               <a:rPr lang="zh-CN" altLang="en-US" smtClean="0"/>
               <a:t>2024/3/10</a:t>
             </a:fld>
@@ -2075,7 +2075,7 @@
           <p:cNvPr id="3" name="页脚占位符 2">
             <a:extLst>
               <a:ext uri="{FF2B5EF4-FFF2-40B4-BE49-F238E27FC236}">
-                <a16:creationId xmlns:a16="http://schemas.microsoft.com/office/drawing/2014/main" id="{E8062EF8-783C-C926-1F91-B4035E91CDD6}"/>
+                <a16:creationId xmlns:a16="http://schemas.microsoft.com/office/drawing/2014/main" id="{0C84595F-751A-188C-81B9-E62274AE8FA6}"/>
               </a:ext>
             </a:extLst>
           </p:cNvPr>
@@ -2100,7 +2100,7 @@
           <p:cNvPr id="4" name="灯片编号占位符 3">
             <a:extLst>
               <a:ext uri="{FF2B5EF4-FFF2-40B4-BE49-F238E27FC236}">
-                <a16:creationId xmlns:a16="http://schemas.microsoft.com/office/drawing/2014/main" id="{0C2625B8-1948-8CA2-BFE2-AB6C1D46898A}"/>
+                <a16:creationId xmlns:a16="http://schemas.microsoft.com/office/drawing/2014/main" id="{8646EBB8-2EEC-E520-6DBF-717703D2228A}"/>
               </a:ext>
             </a:extLst>
           </p:cNvPr>
@@ -2116,7 +2116,7 @@
           <a:bodyPr/>
           <a:lstStyle/>
           <a:p>
-            <a:fld id="{09B1008A-CC63-48DC-8707-6CC07270F022}" type="slidenum">
+            <a:fld id="{9F6947BB-1B95-4B30-91C2-CCB653B2FC2F}" type="slidenum">
               <a:rPr lang="zh-CN" altLang="en-US" smtClean="0"/>
               <a:t>‹#›</a:t>
             </a:fld>
@@ -2127,7 +2127,7 @@
     </p:spTree>
     <p:extLst>
       <p:ext uri="{BB962C8B-B14F-4D97-AF65-F5344CB8AC3E}">
-        <p14:creationId xmlns:p14="http://schemas.microsoft.com/office/powerpoint/2010/main" val="2186470412"/>
+        <p14:creationId xmlns:p14="http://schemas.microsoft.com/office/powerpoint/2010/main" val="2565756795"/>
       </p:ext>
     </p:extLst>
   </p:cSld>
@@ -2159,7 +2159,7 @@
           <p:cNvPr id="2" name="标题 1">
             <a:extLst>
               <a:ext uri="{FF2B5EF4-FFF2-40B4-BE49-F238E27FC236}">
-                <a16:creationId xmlns:a16="http://schemas.microsoft.com/office/drawing/2014/main" id="{57C5C029-71B3-81FF-E9A0-9CA2A93384E8}"/>
+                <a16:creationId xmlns:a16="http://schemas.microsoft.com/office/drawing/2014/main" id="{936D3EA3-5228-5732-B07A-669182C2EE80}"/>
               </a:ext>
             </a:extLst>
           </p:cNvPr>
@@ -2196,7 +2196,7 @@
           <p:cNvPr id="3" name="内容占位符 2">
             <a:extLst>
               <a:ext uri="{FF2B5EF4-FFF2-40B4-BE49-F238E27FC236}">
-                <a16:creationId xmlns:a16="http://schemas.microsoft.com/office/drawing/2014/main" id="{3E082D09-956A-E177-53A9-F0699A8B4BE7}"/>
+                <a16:creationId xmlns:a16="http://schemas.microsoft.com/office/drawing/2014/main" id="{6651BA3A-C681-E3F6-6CFD-54852C68E8D7}"/>
               </a:ext>
             </a:extLst>
           </p:cNvPr>
@@ -2286,7 +2286,7 @@
           <p:cNvPr id="4" name="文本占位符 3">
             <a:extLst>
               <a:ext uri="{FF2B5EF4-FFF2-40B4-BE49-F238E27FC236}">
-                <a16:creationId xmlns:a16="http://schemas.microsoft.com/office/drawing/2014/main" id="{A3787936-98D2-449B-3F2A-C590147BAC88}"/>
+                <a16:creationId xmlns:a16="http://schemas.microsoft.com/office/drawing/2014/main" id="{7BE26247-723B-3BE9-AFDC-8F14B2BA786E}"/>
               </a:ext>
             </a:extLst>
           </p:cNvPr>
@@ -2357,7 +2357,7 @@
           <p:cNvPr id="5" name="日期占位符 4">
             <a:extLst>
               <a:ext uri="{FF2B5EF4-FFF2-40B4-BE49-F238E27FC236}">
-                <a16:creationId xmlns:a16="http://schemas.microsoft.com/office/drawing/2014/main" id="{E9354B30-3BE6-315A-240E-35E23DE2B01C}"/>
+                <a16:creationId xmlns:a16="http://schemas.microsoft.com/office/drawing/2014/main" id="{378B62AB-B752-C96B-6E33-7C923C7D56B1}"/>
               </a:ext>
             </a:extLst>
           </p:cNvPr>
@@ -2373,7 +2373,7 @@
           <a:bodyPr/>
           <a:lstStyle/>
           <a:p>
-            <a:fld id="{9BB97BC6-8CF4-44AE-BCBE-5D4BD21BDEA5}" type="datetimeFigureOut">
+            <a:fld id="{DADCE587-5BB4-44C1-8285-01839913A3B9}" type="datetimeFigureOut">
               <a:rPr lang="zh-CN" altLang="en-US" smtClean="0"/>
               <a:t>2024/3/10</a:t>
             </a:fld>
@@ -2386,7 +2386,7 @@
           <p:cNvPr id="6" name="页脚占位符 5">
             <a:extLst>
               <a:ext uri="{FF2B5EF4-FFF2-40B4-BE49-F238E27FC236}">
-                <a16:creationId xmlns:a16="http://schemas.microsoft.com/office/drawing/2014/main" id="{92E991D3-19A7-C411-51A7-48439B797AB6}"/>
+                <a16:creationId xmlns:a16="http://schemas.microsoft.com/office/drawing/2014/main" id="{5CDA5BFF-61F7-F1A9-396B-CA46CDA551B3}"/>
               </a:ext>
             </a:extLst>
           </p:cNvPr>
@@ -2411,7 +2411,7 @@
           <p:cNvPr id="7" name="灯片编号占位符 6">
             <a:extLst>
               <a:ext uri="{FF2B5EF4-FFF2-40B4-BE49-F238E27FC236}">
-                <a16:creationId xmlns:a16="http://schemas.microsoft.com/office/drawing/2014/main" id="{68AFBD09-10AF-682A-BD71-AED2F03695C7}"/>
+                <a16:creationId xmlns:a16="http://schemas.microsoft.com/office/drawing/2014/main" id="{ABE810D2-1992-C618-2E52-2243FA687890}"/>
               </a:ext>
             </a:extLst>
           </p:cNvPr>
@@ -2427,7 +2427,7 @@
           <a:bodyPr/>
           <a:lstStyle/>
           <a:p>
-            <a:fld id="{09B1008A-CC63-48DC-8707-6CC07270F022}" type="slidenum">
+            <a:fld id="{9F6947BB-1B95-4B30-91C2-CCB653B2FC2F}" type="slidenum">
               <a:rPr lang="zh-CN" altLang="en-US" smtClean="0"/>
               <a:t>‹#›</a:t>
             </a:fld>
@@ -2438,7 +2438,7 @@
     </p:spTree>
     <p:extLst>
       <p:ext uri="{BB962C8B-B14F-4D97-AF65-F5344CB8AC3E}">
-        <p14:creationId xmlns:p14="http://schemas.microsoft.com/office/powerpoint/2010/main" val="3223890961"/>
+        <p14:creationId xmlns:p14="http://schemas.microsoft.com/office/powerpoint/2010/main" val="3656551452"/>
       </p:ext>
     </p:extLst>
   </p:cSld>
@@ -2470,7 +2470,7 @@
           <p:cNvPr id="2" name="标题 1">
             <a:extLst>
               <a:ext uri="{FF2B5EF4-FFF2-40B4-BE49-F238E27FC236}">
-                <a16:creationId xmlns:a16="http://schemas.microsoft.com/office/drawing/2014/main" id="{8B2C65F1-56F6-0ABE-A7E3-A0B04F967212}"/>
+                <a16:creationId xmlns:a16="http://schemas.microsoft.com/office/drawing/2014/main" id="{3A281FEF-0A99-2F59-D703-890CB783CE6E}"/>
               </a:ext>
             </a:extLst>
           </p:cNvPr>
@@ -2507,7 +2507,7 @@
           <p:cNvPr id="3" name="图片占位符 2">
             <a:extLst>
               <a:ext uri="{FF2B5EF4-FFF2-40B4-BE49-F238E27FC236}">
-                <a16:creationId xmlns:a16="http://schemas.microsoft.com/office/drawing/2014/main" id="{FE69A029-8BD2-CEE0-2169-94D401FFD044}"/>
+                <a16:creationId xmlns:a16="http://schemas.microsoft.com/office/drawing/2014/main" id="{60DD8A0B-AB57-79B6-8028-43915D76E392}"/>
               </a:ext>
             </a:extLst>
           </p:cNvPr>
@@ -2574,7 +2574,7 @@
           <p:cNvPr id="4" name="文本占位符 3">
             <a:extLst>
               <a:ext uri="{FF2B5EF4-FFF2-40B4-BE49-F238E27FC236}">
-                <a16:creationId xmlns:a16="http://schemas.microsoft.com/office/drawing/2014/main" id="{7FF051C9-CB6B-973C-31C6-FB2D02D20C8D}"/>
+                <a16:creationId xmlns:a16="http://schemas.microsoft.com/office/drawing/2014/main" id="{2A6198A1-616D-07BF-3DC7-9B2DE7919C7D}"/>
               </a:ext>
             </a:extLst>
           </p:cNvPr>
@@ -2645,7 +2645,7 @@
           <p:cNvPr id="5" name="日期占位符 4">
             <a:extLst>
               <a:ext uri="{FF2B5EF4-FFF2-40B4-BE49-F238E27FC236}">
-                <a16:creationId xmlns:a16="http://schemas.microsoft.com/office/drawing/2014/main" id="{4159FB1E-A043-61BD-6F85-643742F64562}"/>
+                <a16:creationId xmlns:a16="http://schemas.microsoft.com/office/drawing/2014/main" id="{BE65CDC2-E3C3-6527-5098-EEC4D86E38B1}"/>
               </a:ext>
             </a:extLst>
           </p:cNvPr>
@@ -2661,7 +2661,7 @@
           <a:bodyPr/>
           <a:lstStyle/>
           <a:p>
-            <a:fld id="{9BB97BC6-8CF4-44AE-BCBE-5D4BD21BDEA5}" type="datetimeFigureOut">
+            <a:fld id="{DADCE587-5BB4-44C1-8285-01839913A3B9}" type="datetimeFigureOut">
               <a:rPr lang="zh-CN" altLang="en-US" smtClean="0"/>
               <a:t>2024/3/10</a:t>
             </a:fld>
@@ -2674,7 +2674,7 @@
           <p:cNvPr id="6" name="页脚占位符 5">
             <a:extLst>
               <a:ext uri="{FF2B5EF4-FFF2-40B4-BE49-F238E27FC236}">
-                <a16:creationId xmlns:a16="http://schemas.microsoft.com/office/drawing/2014/main" id="{19DA7D36-9F49-3570-8F6E-EE263FE430C9}"/>
+                <a16:creationId xmlns:a16="http://schemas.microsoft.com/office/drawing/2014/main" id="{B84F5211-9BA2-CF10-4598-7C2D0FC9EBB8}"/>
               </a:ext>
             </a:extLst>
           </p:cNvPr>
@@ -2699,7 +2699,7 @@
           <p:cNvPr id="7" name="灯片编号占位符 6">
             <a:extLst>
               <a:ext uri="{FF2B5EF4-FFF2-40B4-BE49-F238E27FC236}">
-                <a16:creationId xmlns:a16="http://schemas.microsoft.com/office/drawing/2014/main" id="{AB45A62F-97A0-CFF3-529A-C132367B844D}"/>
+                <a16:creationId xmlns:a16="http://schemas.microsoft.com/office/drawing/2014/main" id="{FCD08444-0C46-F5C8-285D-1B6DDB5FD6D3}"/>
               </a:ext>
             </a:extLst>
           </p:cNvPr>
@@ -2715,7 +2715,7 @@
           <a:bodyPr/>
           <a:lstStyle/>
           <a:p>
-            <a:fld id="{09B1008A-CC63-48DC-8707-6CC07270F022}" type="slidenum">
+            <a:fld id="{9F6947BB-1B95-4B30-91C2-CCB653B2FC2F}" type="slidenum">
               <a:rPr lang="zh-CN" altLang="en-US" smtClean="0"/>
               <a:t>‹#›</a:t>
             </a:fld>
@@ -2726,7 +2726,7 @@
     </p:spTree>
     <p:extLst>
       <p:ext uri="{BB962C8B-B14F-4D97-AF65-F5344CB8AC3E}">
-        <p14:creationId xmlns:p14="http://schemas.microsoft.com/office/powerpoint/2010/main" val="1264009726"/>
+        <p14:creationId xmlns:p14="http://schemas.microsoft.com/office/powerpoint/2010/main" val="2453683747"/>
       </p:ext>
     </p:extLst>
   </p:cSld>
@@ -2763,7 +2763,7 @@
           <p:cNvPr id="2" name="标题占位符 1">
             <a:extLst>
               <a:ext uri="{FF2B5EF4-FFF2-40B4-BE49-F238E27FC236}">
-                <a16:creationId xmlns:a16="http://schemas.microsoft.com/office/drawing/2014/main" id="{CF4CD671-499B-FC3A-1E99-3BC9B8842396}"/>
+                <a16:creationId xmlns:a16="http://schemas.microsoft.com/office/drawing/2014/main" id="{9E3535A5-4EE5-A87B-3A6E-9F284D7F9A88}"/>
               </a:ext>
             </a:extLst>
           </p:cNvPr>
@@ -2801,7 +2801,7 @@
           <p:cNvPr id="3" name="文本占位符 2">
             <a:extLst>
               <a:ext uri="{FF2B5EF4-FFF2-40B4-BE49-F238E27FC236}">
-                <a16:creationId xmlns:a16="http://schemas.microsoft.com/office/drawing/2014/main" id="{D676AEEA-C3FC-DC97-CA8D-365DE37A1DE1}"/>
+                <a16:creationId xmlns:a16="http://schemas.microsoft.com/office/drawing/2014/main" id="{40244D05-3D48-0854-BBB7-23FB262C0D48}"/>
               </a:ext>
             </a:extLst>
           </p:cNvPr>
@@ -2868,7 +2868,7 @@
           <p:cNvPr id="4" name="日期占位符 3">
             <a:extLst>
               <a:ext uri="{FF2B5EF4-FFF2-40B4-BE49-F238E27FC236}">
-                <a16:creationId xmlns:a16="http://schemas.microsoft.com/office/drawing/2014/main" id="{938F1502-9304-102C-BB19-883541F28A02}"/>
+                <a16:creationId xmlns:a16="http://schemas.microsoft.com/office/drawing/2014/main" id="{F23DD99D-EE71-3DE1-0D05-0AF2BDC0D6D4}"/>
               </a:ext>
             </a:extLst>
           </p:cNvPr>
@@ -2902,7 +2902,7 @@
             </a:lvl1pPr>
           </a:lstStyle>
           <a:p>
-            <a:fld id="{9BB97BC6-8CF4-44AE-BCBE-5D4BD21BDEA5}" type="datetimeFigureOut">
+            <a:fld id="{DADCE587-5BB4-44C1-8285-01839913A3B9}" type="datetimeFigureOut">
               <a:rPr lang="zh-CN" altLang="en-US" smtClean="0"/>
               <a:t>2024/3/10</a:t>
             </a:fld>
@@ -2915,7 +2915,7 @@
           <p:cNvPr id="5" name="页脚占位符 4">
             <a:extLst>
               <a:ext uri="{FF2B5EF4-FFF2-40B4-BE49-F238E27FC236}">
-                <a16:creationId xmlns:a16="http://schemas.microsoft.com/office/drawing/2014/main" id="{C0790275-1CDB-D97B-82A9-4DCC4EBAA8B9}"/>
+                <a16:creationId xmlns:a16="http://schemas.microsoft.com/office/drawing/2014/main" id="{C8A18C3E-A9A3-00B2-3FCB-848D0C1AEB12}"/>
               </a:ext>
             </a:extLst>
           </p:cNvPr>
@@ -2958,7 +2958,7 @@
           <p:cNvPr id="6" name="灯片编号占位符 5">
             <a:extLst>
               <a:ext uri="{FF2B5EF4-FFF2-40B4-BE49-F238E27FC236}">
-                <a16:creationId xmlns:a16="http://schemas.microsoft.com/office/drawing/2014/main" id="{7827264E-D8E3-CB42-1892-79A8B5D69864}"/>
+                <a16:creationId xmlns:a16="http://schemas.microsoft.com/office/drawing/2014/main" id="{6DD8BCA5-FF4E-2FD3-67D7-46BC025EAD3C}"/>
               </a:ext>
             </a:extLst>
           </p:cNvPr>
@@ -2992,7 +2992,7 @@
             </a:lvl1pPr>
           </a:lstStyle>
           <a:p>
-            <a:fld id="{09B1008A-CC63-48DC-8707-6CC07270F022}" type="slidenum">
+            <a:fld id="{9F6947BB-1B95-4B30-91C2-CCB653B2FC2F}" type="slidenum">
               <a:rPr lang="zh-CN" altLang="en-US" smtClean="0"/>
               <a:t>‹#›</a:t>
             </a:fld>
@@ -3003,7 +3003,7 @@
     </p:spTree>
     <p:extLst>
       <p:ext uri="{BB962C8B-B14F-4D97-AF65-F5344CB8AC3E}">
-        <p14:creationId xmlns:p14="http://schemas.microsoft.com/office/powerpoint/2010/main" val="2998078026"/>
+        <p14:creationId xmlns:p14="http://schemas.microsoft.com/office/powerpoint/2010/main" val="3400299162"/>
       </p:ext>
     </p:extLst>
   </p:cSld>
